--- a/Presentation1.pptx
+++ b/Presentation1.pptx
@@ -6,6 +6,9 @@
   </p:sldMasterIdLst>
   <p:sldIdLst>
     <p:sldId id="256" r:id="rId2"/>
+    <p:sldId id="257" r:id="rId3"/>
+    <p:sldId id="258" r:id="rId4"/>
+    <p:sldId id="259" r:id="rId5"/>
   </p:sldIdLst>
   <p:sldSz cx="12192000" cy="6858000"/>
   <p:notesSz cx="6858000" cy="9144000"/>
@@ -104,6 +107,11 @@
       </a:defRPr>
     </a:lvl9pPr>
   </p:defaultTextStyle>
+  <p:extLst>
+    <p:ext uri="{EFAFB233-063F-42B5-8137-9DF3F51BA10A}">
+      <p15:sldGuideLst xmlns:p15="http://schemas.microsoft.com/office/powerpoint/2012/main"/>
+    </p:ext>
+  </p:extLst>
 </p:presentation>
 </file>
 
@@ -3445,6 +3453,362 @@
 </p:sld>
 </file>
 
+<file path=ppt/slides/slide2.xml><?xml version="1.0" encoding="utf-8"?>
+<p:sld xmlns:a="http://schemas.openxmlformats.org/drawingml/2006/main" xmlns:r="http://schemas.openxmlformats.org/officeDocument/2006/relationships" xmlns:p="http://schemas.openxmlformats.org/presentationml/2006/main">
+  <p:cSld>
+    <p:spTree>
+      <p:nvGrpSpPr>
+        <p:cNvPr id="1" name=""/>
+        <p:cNvGrpSpPr/>
+        <p:nvPr/>
+      </p:nvGrpSpPr>
+      <p:grpSpPr>
+        <a:xfrm>
+          <a:off x="0" y="0"/>
+          <a:ext cx="0" cy="0"/>
+          <a:chOff x="0" y="0"/>
+          <a:chExt cx="0" cy="0"/>
+        </a:xfrm>
+      </p:grpSpPr>
+      <p:sp>
+        <p:nvSpPr>
+          <p:cNvPr id="2" name="Title 1"/>
+          <p:cNvSpPr>
+            <a:spLocks noGrp="1"/>
+          </p:cNvSpPr>
+          <p:nvPr>
+            <p:ph type="title"/>
+          </p:nvPr>
+        </p:nvSpPr>
+        <p:spPr/>
+        <p:txBody>
+          <a:bodyPr/>
+          <a:lstStyle/>
+          <a:p>
+            <a:r>
+              <a:rPr lang="en-US" dirty="0" smtClean="0"/>
+              <a:t>Better than the rest!</a:t>
+            </a:r>
+            <a:endParaRPr lang="fr-CH" dirty="0"/>
+          </a:p>
+        </p:txBody>
+      </p:sp>
+      <p:sp>
+        <p:nvSpPr>
+          <p:cNvPr id="3" name="Content Placeholder 2"/>
+          <p:cNvSpPr>
+            <a:spLocks noGrp="1"/>
+          </p:cNvSpPr>
+          <p:nvPr>
+            <p:ph idx="1"/>
+          </p:nvPr>
+        </p:nvSpPr>
+        <p:spPr/>
+        <p:txBody>
+          <a:bodyPr>
+            <a:normAutofit fontScale="92500" lnSpcReduction="10000"/>
+          </a:bodyPr>
+          <a:lstStyle/>
+          <a:p>
+            <a:pPr marL="0" indent="0">
+              <a:buNone/>
+            </a:pPr>
+            <a:r>
+              <a:rPr lang="en-US" dirty="0" smtClean="0"/>
+              <a:t>People search through various data while planning vacations. A handful of sites provide useful tools. Expedia helps users book flights and hotels. Some sites like Hotwire search out discounted bookings. Kayak is a company that shows users how much money it would cost to travel to various places on the world based on their current location. However, these sites are missing information that helps individuals figure out where to vacation. We created something to skip the back and forth involved with planning a vacation. With “</a:t>
+            </a:r>
+            <a:r>
+              <a:rPr lang="en-US" dirty="0" err="1" smtClean="0"/>
+              <a:t>CheapVacays</a:t>
+            </a:r>
+            <a:r>
+              <a:rPr lang="en-US" dirty="0" smtClean="0"/>
+              <a:t>”, you can figure out what city works best for you. We gather data which allows the user to filter through cities which are a good deal to visit, while allowing instant access to Priceline ™© offers on hotels and flights, allowing them to figure out where to go, where one’s money goes the furthest, and then find the best deal on booking the trip.</a:t>
+            </a:r>
+            <a:endParaRPr lang="fr-CH" dirty="0"/>
+          </a:p>
+        </p:txBody>
+      </p:sp>
+    </p:spTree>
+    <p:extLst>
+      <p:ext uri="{BB962C8B-B14F-4D97-AF65-F5344CB8AC3E}">
+        <p14:creationId xmlns:p14="http://schemas.microsoft.com/office/powerpoint/2010/main" val="1340150237"/>
+      </p:ext>
+    </p:extLst>
+  </p:cSld>
+  <p:clrMapOvr>
+    <a:masterClrMapping/>
+  </p:clrMapOvr>
+</p:sld>
+</file>
+
+<file path=ppt/slides/slide3.xml><?xml version="1.0" encoding="utf-8"?>
+<p:sld xmlns:a="http://schemas.openxmlformats.org/drawingml/2006/main" xmlns:r="http://schemas.openxmlformats.org/officeDocument/2006/relationships" xmlns:p="http://schemas.openxmlformats.org/presentationml/2006/main">
+  <p:cSld>
+    <p:spTree>
+      <p:nvGrpSpPr>
+        <p:cNvPr id="1" name=""/>
+        <p:cNvGrpSpPr/>
+        <p:nvPr/>
+      </p:nvGrpSpPr>
+      <p:grpSpPr>
+        <a:xfrm>
+          <a:off x="0" y="0"/>
+          <a:ext cx="0" cy="0"/>
+          <a:chOff x="0" y="0"/>
+          <a:chExt cx="0" cy="0"/>
+        </a:xfrm>
+      </p:grpSpPr>
+      <p:sp>
+        <p:nvSpPr>
+          <p:cNvPr id="2" name="Title 1"/>
+          <p:cNvSpPr>
+            <a:spLocks noGrp="1"/>
+          </p:cNvSpPr>
+          <p:nvPr>
+            <p:ph type="title"/>
+          </p:nvPr>
+        </p:nvSpPr>
+        <p:spPr/>
+        <p:txBody>
+          <a:bodyPr/>
+          <a:lstStyle/>
+          <a:p>
+            <a:r>
+              <a:rPr lang="en-US" dirty="0" smtClean="0"/>
+              <a:t>Features</a:t>
+            </a:r>
+            <a:endParaRPr lang="fr-CH" dirty="0"/>
+          </a:p>
+        </p:txBody>
+      </p:sp>
+      <p:sp>
+        <p:nvSpPr>
+          <p:cNvPr id="3" name="Content Placeholder 2"/>
+          <p:cNvSpPr>
+            <a:spLocks noGrp="1"/>
+          </p:cNvSpPr>
+          <p:nvPr>
+            <p:ph idx="1"/>
+          </p:nvPr>
+        </p:nvSpPr>
+        <p:spPr/>
+        <p:txBody>
+          <a:bodyPr>
+            <a:normAutofit fontScale="92500" lnSpcReduction="10000"/>
+          </a:bodyPr>
+          <a:lstStyle/>
+          <a:p>
+            <a:r>
+              <a:rPr lang="en-US" dirty="0" smtClean="0"/>
+              <a:t>Instant access to economic data, showing you how far your spending money will go!</a:t>
+            </a:r>
+          </a:p>
+          <a:p>
+            <a:pPr lvl="1"/>
+            <a:r>
+              <a:rPr lang="en-US" dirty="0" smtClean="0"/>
+              <a:t>Currency value, compared to recent years to show if it’s a good time to travel to a certain area</a:t>
+            </a:r>
+          </a:p>
+          <a:p>
+            <a:pPr lvl="1"/>
+            <a:r>
+              <a:rPr lang="en-US" dirty="0" smtClean="0"/>
+              <a:t>Purchasing power</a:t>
+            </a:r>
+          </a:p>
+          <a:p>
+            <a:pPr lvl="1"/>
+            <a:r>
+              <a:rPr lang="en-US" dirty="0" smtClean="0"/>
+              <a:t>Recommendations based on what region you want to travel to</a:t>
+            </a:r>
+          </a:p>
+          <a:p>
+            <a:r>
+              <a:rPr lang="en-US" dirty="0" smtClean="0"/>
+              <a:t>Convenient Priceline ™ deals</a:t>
+            </a:r>
+          </a:p>
+          <a:p>
+            <a:pPr lvl="1"/>
+            <a:r>
+              <a:rPr lang="en-US" dirty="0" smtClean="0"/>
+              <a:t>Discounted hotel stays</a:t>
+            </a:r>
+          </a:p>
+          <a:p>
+            <a:pPr lvl="1"/>
+            <a:r>
+              <a:rPr lang="en-US" dirty="0" smtClean="0"/>
+              <a:t>Cheap flights</a:t>
+            </a:r>
+          </a:p>
+          <a:p>
+            <a:pPr lvl="1"/>
+            <a:r>
+              <a:rPr lang="en-US" dirty="0" smtClean="0"/>
+              <a:t>Stress-free booking</a:t>
+            </a:r>
+          </a:p>
+          <a:p>
+            <a:pPr lvl="1"/>
+            <a:r>
+              <a:rPr lang="en-US" dirty="0" smtClean="0"/>
+              <a:t>Budgeting features</a:t>
+            </a:r>
+          </a:p>
+          <a:p>
+            <a:pPr lvl="1"/>
+            <a:r>
+              <a:rPr lang="en-US" dirty="0" smtClean="0"/>
+              <a:t>Comparisons with regional averages (5 star visualization for this?)</a:t>
+            </a:r>
+            <a:endParaRPr lang="en-US" dirty="0"/>
+          </a:p>
+        </p:txBody>
+      </p:sp>
+    </p:spTree>
+    <p:extLst>
+      <p:ext uri="{BB962C8B-B14F-4D97-AF65-F5344CB8AC3E}">
+        <p14:creationId xmlns:p14="http://schemas.microsoft.com/office/powerpoint/2010/main" val="3015325207"/>
+      </p:ext>
+    </p:extLst>
+  </p:cSld>
+  <p:clrMapOvr>
+    <a:masterClrMapping/>
+  </p:clrMapOvr>
+</p:sld>
+</file>
+
+<file path=ppt/slides/slide4.xml><?xml version="1.0" encoding="utf-8"?>
+<p:sld xmlns:a="http://schemas.openxmlformats.org/drawingml/2006/main" xmlns:r="http://schemas.openxmlformats.org/officeDocument/2006/relationships" xmlns:p="http://schemas.openxmlformats.org/presentationml/2006/main">
+  <p:cSld>
+    <p:spTree>
+      <p:nvGrpSpPr>
+        <p:cNvPr id="1" name=""/>
+        <p:cNvGrpSpPr/>
+        <p:nvPr/>
+      </p:nvGrpSpPr>
+      <p:grpSpPr>
+        <a:xfrm>
+          <a:off x="0" y="0"/>
+          <a:ext cx="0" cy="0"/>
+          <a:chOff x="0" y="0"/>
+          <a:chExt cx="0" cy="0"/>
+        </a:xfrm>
+      </p:grpSpPr>
+      <p:sp>
+        <p:nvSpPr>
+          <p:cNvPr id="2" name="Title 1"/>
+          <p:cNvSpPr>
+            <a:spLocks noGrp="1"/>
+          </p:cNvSpPr>
+          <p:nvPr>
+            <p:ph type="title"/>
+          </p:nvPr>
+        </p:nvSpPr>
+        <p:spPr/>
+        <p:txBody>
+          <a:bodyPr/>
+          <a:lstStyle/>
+          <a:p>
+            <a:r>
+              <a:rPr lang="en-US" dirty="0" smtClean="0"/>
+              <a:t>Future goals</a:t>
+            </a:r>
+            <a:endParaRPr lang="fr-CH" dirty="0"/>
+          </a:p>
+        </p:txBody>
+      </p:sp>
+      <p:sp>
+        <p:nvSpPr>
+          <p:cNvPr id="3" name="Content Placeholder 2"/>
+          <p:cNvSpPr>
+            <a:spLocks noGrp="1"/>
+          </p:cNvSpPr>
+          <p:nvPr>
+            <p:ph idx="1"/>
+          </p:nvPr>
+        </p:nvSpPr>
+        <p:spPr/>
+        <p:txBody>
+          <a:bodyPr/>
+          <a:lstStyle/>
+          <a:p>
+            <a:r>
+              <a:rPr lang="en-US" dirty="0" smtClean="0"/>
+              <a:t>Weighing your budget to provide a more personalized user experience</a:t>
+            </a:r>
+          </a:p>
+          <a:p>
+            <a:pPr lvl="1"/>
+            <a:r>
+              <a:rPr lang="en-US" dirty="0" smtClean="0"/>
+              <a:t>Emphasizes best use of spending money</a:t>
+            </a:r>
+          </a:p>
+          <a:p>
+            <a:pPr lvl="1"/>
+            <a:r>
+              <a:rPr lang="en-US" dirty="0" smtClean="0"/>
+              <a:t>Weighs in how large a percentage of your budget the flight will take up</a:t>
+            </a:r>
+          </a:p>
+          <a:p>
+            <a:r>
+              <a:rPr lang="en-US" dirty="0" smtClean="0"/>
+              <a:t>Data visualization of value</a:t>
+            </a:r>
+          </a:p>
+          <a:p>
+            <a:r>
+              <a:rPr lang="en-US" dirty="0" smtClean="0"/>
+              <a:t>Blacklist to avoid showing DPRK, </a:t>
+            </a:r>
+            <a:r>
+              <a:rPr lang="en-US" dirty="0" err="1" smtClean="0"/>
+              <a:t>etc</a:t>
+            </a:r>
+            <a:endParaRPr lang="en-US" dirty="0" smtClean="0"/>
+          </a:p>
+          <a:p>
+            <a:r>
+              <a:rPr lang="en-US" dirty="0" smtClean="0"/>
+              <a:t>Free Cookies!</a:t>
+            </a:r>
+          </a:p>
+          <a:p>
+            <a:r>
+              <a:rPr lang="en-US" dirty="0" smtClean="0"/>
+              <a:t>Places they’ve been, account, recommendations based on trends/</a:t>
+            </a:r>
+            <a:r>
+              <a:rPr lang="en-US" smtClean="0"/>
+              <a:t>etc</a:t>
+            </a:r>
+            <a:endParaRPr lang="en-US" dirty="0" smtClean="0"/>
+          </a:p>
+          <a:p>
+            <a:pPr lvl="1"/>
+            <a:endParaRPr lang="en-US" dirty="0"/>
+          </a:p>
+        </p:txBody>
+      </p:sp>
+    </p:spTree>
+    <p:extLst>
+      <p:ext uri="{BB962C8B-B14F-4D97-AF65-F5344CB8AC3E}">
+        <p14:creationId xmlns:p14="http://schemas.microsoft.com/office/powerpoint/2010/main" val="2482365194"/>
+      </p:ext>
+    </p:extLst>
+  </p:cSld>
+  <p:clrMapOvr>
+    <a:masterClrMapping/>
+  </p:clrMapOvr>
+</p:sld>
+</file>
+
 <file path=ppt/theme/theme1.xml><?xml version="1.0" encoding="utf-8"?>
 <a:theme xmlns:a="http://schemas.openxmlformats.org/drawingml/2006/main" name="Office Theme">
   <a:themeElements>

--- a/Presentation1.pptx
+++ b/Presentation1.pptx
@@ -3515,15 +3515,23 @@
             </a:pPr>
             <a:r>
               <a:rPr lang="en-US" dirty="0" smtClean="0"/>
-              <a:t>People search through various data while planning vacations. A handful of sites provide useful tools. Expedia helps users book flights and hotels. Some sites like Hotwire search out discounted bookings. Kayak is a company that shows users how much money it would cost to travel to various places on the world based on their current location. However, these sites are missing information that helps individuals figure out where to vacation. We created something to skip the back and forth involved with planning a vacation. With “</a:t>
+              <a:t>People search through various data while planning vacations. A handful of sites provide useful tools. Expedia helps users book flights and hotels. Some sites like Hotwire search out discounted bookings. Kayak is a company that shows users how much money it would cost to travel to various places on the world based on their current location. However, these sites are missing information that helps individuals figure out where to vacation. We created something to skip the back and forth involved with planning a vacation. </a:t>
+            </a:r>
+            <a:r>
+              <a:rPr lang="en-US" dirty="0" smtClean="0"/>
+              <a:t>With </a:t>
             </a:r>
             <a:r>
               <a:rPr lang="en-US" dirty="0" err="1" smtClean="0"/>
-              <a:t>CheapVacays</a:t>
+              <a:t>Wakawhitti</a:t>
             </a:r>
             <a:r>
               <a:rPr lang="en-US" dirty="0" smtClean="0"/>
-              <a:t>”, you can figure out what city works best for you. We gather data which allows the user to filter through cities which are a good deal to visit, while allowing instant access to Priceline ™© offers on hotels and flights, allowing them to figure out where to go, where one’s money goes the furthest, and then find the best deal on booking the trip.</a:t>
+              <a:t>, </a:t>
+            </a:r>
+            <a:r>
+              <a:rPr lang="en-US" dirty="0" smtClean="0"/>
+              <a:t>you can figure out what city works best for you. We gather data which allows the user to filter through cities which are a good deal to visit, while allowing instant access to Priceline ™© offers on hotels and flights, allowing them to figure out where to go, where one’s money goes the furthest, and then find the best deal on booking the trip.</a:t>
             </a:r>
             <a:endParaRPr lang="fr-CH" dirty="0"/>
           </a:p>

--- a/Presentation1.pptx
+++ b/Presentation1.pptx
@@ -246,7 +246,7 @@
           <a:p>
             <a:fld id="{46D79EC0-F3BA-407D-9180-79D86FCC0F41}" type="datetimeFigureOut">
               <a:rPr lang="fr-CH" smtClean="0"/>
-              <a:t>27.09.2014</a:t>
+              <a:t>28.09.2014</a:t>
             </a:fld>
             <a:endParaRPr lang="fr-CH"/>
           </a:p>
@@ -416,7 +416,7 @@
           <a:p>
             <a:fld id="{46D79EC0-F3BA-407D-9180-79D86FCC0F41}" type="datetimeFigureOut">
               <a:rPr lang="fr-CH" smtClean="0"/>
-              <a:t>27.09.2014</a:t>
+              <a:t>28.09.2014</a:t>
             </a:fld>
             <a:endParaRPr lang="fr-CH"/>
           </a:p>
@@ -596,7 +596,7 @@
           <a:p>
             <a:fld id="{46D79EC0-F3BA-407D-9180-79D86FCC0F41}" type="datetimeFigureOut">
               <a:rPr lang="fr-CH" smtClean="0"/>
-              <a:t>27.09.2014</a:t>
+              <a:t>28.09.2014</a:t>
             </a:fld>
             <a:endParaRPr lang="fr-CH"/>
           </a:p>
@@ -766,7 +766,7 @@
           <a:p>
             <a:fld id="{46D79EC0-F3BA-407D-9180-79D86FCC0F41}" type="datetimeFigureOut">
               <a:rPr lang="fr-CH" smtClean="0"/>
-              <a:t>27.09.2014</a:t>
+              <a:t>28.09.2014</a:t>
             </a:fld>
             <a:endParaRPr lang="fr-CH"/>
           </a:p>
@@ -1012,7 +1012,7 @@
           <a:p>
             <a:fld id="{46D79EC0-F3BA-407D-9180-79D86FCC0F41}" type="datetimeFigureOut">
               <a:rPr lang="fr-CH" smtClean="0"/>
-              <a:t>27.09.2014</a:t>
+              <a:t>28.09.2014</a:t>
             </a:fld>
             <a:endParaRPr lang="fr-CH"/>
           </a:p>
@@ -1244,7 +1244,7 @@
           <a:p>
             <a:fld id="{46D79EC0-F3BA-407D-9180-79D86FCC0F41}" type="datetimeFigureOut">
               <a:rPr lang="fr-CH" smtClean="0"/>
-              <a:t>27.09.2014</a:t>
+              <a:t>28.09.2014</a:t>
             </a:fld>
             <a:endParaRPr lang="fr-CH"/>
           </a:p>
@@ -1611,7 +1611,7 @@
           <a:p>
             <a:fld id="{46D79EC0-F3BA-407D-9180-79D86FCC0F41}" type="datetimeFigureOut">
               <a:rPr lang="fr-CH" smtClean="0"/>
-              <a:t>27.09.2014</a:t>
+              <a:t>28.09.2014</a:t>
             </a:fld>
             <a:endParaRPr lang="fr-CH"/>
           </a:p>
@@ -1729,7 +1729,7 @@
           <a:p>
             <a:fld id="{46D79EC0-F3BA-407D-9180-79D86FCC0F41}" type="datetimeFigureOut">
               <a:rPr lang="fr-CH" smtClean="0"/>
-              <a:t>27.09.2014</a:t>
+              <a:t>28.09.2014</a:t>
             </a:fld>
             <a:endParaRPr lang="fr-CH"/>
           </a:p>
@@ -1824,7 +1824,7 @@
           <a:p>
             <a:fld id="{46D79EC0-F3BA-407D-9180-79D86FCC0F41}" type="datetimeFigureOut">
               <a:rPr lang="fr-CH" smtClean="0"/>
-              <a:t>27.09.2014</a:t>
+              <a:t>28.09.2014</a:t>
             </a:fld>
             <a:endParaRPr lang="fr-CH"/>
           </a:p>
@@ -2101,7 +2101,7 @@
           <a:p>
             <a:fld id="{46D79EC0-F3BA-407D-9180-79D86FCC0F41}" type="datetimeFigureOut">
               <a:rPr lang="fr-CH" smtClean="0"/>
-              <a:t>27.09.2014</a:t>
+              <a:t>28.09.2014</a:t>
             </a:fld>
             <a:endParaRPr lang="fr-CH"/>
           </a:p>
@@ -2354,7 +2354,7 @@
           <a:p>
             <a:fld id="{46D79EC0-F3BA-407D-9180-79D86FCC0F41}" type="datetimeFigureOut">
               <a:rPr lang="fr-CH" smtClean="0"/>
-              <a:t>27.09.2014</a:t>
+              <a:t>28.09.2014</a:t>
             </a:fld>
             <a:endParaRPr lang="fr-CH"/>
           </a:p>
@@ -2567,7 +2567,7 @@
           <a:p>
             <a:fld id="{46D79EC0-F3BA-407D-9180-79D86FCC0F41}" type="datetimeFigureOut">
               <a:rPr lang="fr-CH" smtClean="0"/>
-              <a:t>27.09.2014</a:t>
+              <a:t>28.09.2014</a:t>
             </a:fld>
             <a:endParaRPr lang="fr-CH"/>
           </a:p>
@@ -3486,10 +3486,14 @@
           <a:lstStyle/>
           <a:p>
             <a:r>
-              <a:rPr lang="en-US" dirty="0" smtClean="0"/>
+              <a:rPr lang="en-US" dirty="0" smtClean="0">
+                <a:latin typeface="Comic Sans MS" panose="030F0702030302020204" pitchFamily="66" charset="0"/>
+              </a:rPr>
               <a:t>Better than the rest!</a:t>
             </a:r>
-            <a:endParaRPr lang="fr-CH" dirty="0"/>
+            <a:endParaRPr lang="fr-CH" dirty="0">
+              <a:latin typeface="Comic Sans MS" panose="030F0702030302020204" pitchFamily="66" charset="0"/>
+            </a:endParaRPr>
           </a:p>
         </p:txBody>
       </p:sp>
@@ -3506,7 +3510,7 @@
         <p:spPr/>
         <p:txBody>
           <a:bodyPr>
-            <a:normAutofit fontScale="92500" lnSpcReduction="10000"/>
+            <a:normAutofit fontScale="92500" lnSpcReduction="20000"/>
           </a:bodyPr>
           <a:lstStyle/>
           <a:p>
@@ -3514,26 +3518,26 @@
               <a:buNone/>
             </a:pPr>
             <a:r>
-              <a:rPr lang="en-US" dirty="0" smtClean="0"/>
-              <a:t>People search through various data while planning vacations. A handful of sites provide useful tools. Expedia helps users book flights and hotels. Some sites like Hotwire search out discounted bookings. Kayak is a company that shows users how much money it would cost to travel to various places on the world based on their current location. However, these sites are missing information that helps individuals figure out where to vacation. We created something to skip the back and forth involved with planning a vacation. </a:t>
-            </a:r>
-            <a:r>
-              <a:rPr lang="en-US" dirty="0" smtClean="0"/>
-              <a:t>With </a:t>
-            </a:r>
-            <a:r>
-              <a:rPr lang="en-US" dirty="0" err="1" smtClean="0"/>
+              <a:rPr lang="en-US" dirty="0" smtClean="0">
+                <a:latin typeface="Comic Sans MS" panose="030F0702030302020204" pitchFamily="66" charset="0"/>
+              </a:rPr>
+              <a:t>People search through various data while planning vacations. A handful of sites provide useful tools. Expedia helps users book flights and hotels. Some sites like Hotwire search out discounted bookings. Kayak is a company that shows users how much money it would cost to travel to various places on the world based on their current location. However, these sites are missing information that helps individuals figure out where to vacation. We created something to skip the back and forth involved with planning a vacation. With </a:t>
+            </a:r>
+            <a:r>
+              <a:rPr lang="en-US" dirty="0" err="1" smtClean="0">
+                <a:latin typeface="Comic Sans MS" panose="030F0702030302020204" pitchFamily="66" charset="0"/>
+              </a:rPr>
               <a:t>Wakawhitti</a:t>
             </a:r>
             <a:r>
-              <a:rPr lang="en-US" dirty="0" smtClean="0"/>
-              <a:t>, </a:t>
-            </a:r>
-            <a:r>
-              <a:rPr lang="en-US" dirty="0" smtClean="0"/>
-              <a:t>you can figure out what city works best for you. We gather data which allows the user to filter through cities which are a good deal to visit, while allowing instant access to Priceline ™© offers on hotels and flights, allowing them to figure out where to go, where one’s money goes the furthest, and then find the best deal on booking the trip.</a:t>
-            </a:r>
-            <a:endParaRPr lang="fr-CH" dirty="0"/>
+              <a:rPr lang="en-US" dirty="0" smtClean="0">
+                <a:latin typeface="Comic Sans MS" panose="030F0702030302020204" pitchFamily="66" charset="0"/>
+              </a:rPr>
+              <a:t>, you can figure out what city works best for you. We gather data which allows the user to filter through cities which are a good deal to visit, while allowing instant access to Priceline ™© offers on hotels and flights, allowing them to figure out where to go, where one’s money goes the furthest, and then find the best deal on booking the trip.</a:t>
+            </a:r>
+            <a:endParaRPr lang="fr-CH" dirty="0">
+              <a:latin typeface="Comic Sans MS" panose="030F0702030302020204" pitchFamily="66" charset="0"/>
+            </a:endParaRPr>
           </a:p>
         </p:txBody>
       </p:sp>
@@ -3583,10 +3587,14 @@
           <a:lstStyle/>
           <a:p>
             <a:r>
-              <a:rPr lang="en-US" dirty="0" smtClean="0"/>
+              <a:rPr lang="en-US" dirty="0" smtClean="0">
+                <a:latin typeface="Comic Sans MS" panose="030F0702030302020204" pitchFamily="66" charset="0"/>
+              </a:rPr>
               <a:t>Features</a:t>
             </a:r>
-            <a:endParaRPr lang="fr-CH" dirty="0"/>
+            <a:endParaRPr lang="fr-CH" dirty="0">
+              <a:latin typeface="Comic Sans MS" panose="030F0702030302020204" pitchFamily="66" charset="0"/>
+            </a:endParaRPr>
           </a:p>
         </p:txBody>
       </p:sp>
@@ -3608,72 +3616,100 @@
           <a:lstStyle/>
           <a:p>
             <a:r>
-              <a:rPr lang="en-US" dirty="0" smtClean="0"/>
+              <a:rPr lang="en-US" dirty="0" smtClean="0">
+                <a:latin typeface="Comic Sans MS" panose="030F0702030302020204" pitchFamily="66" charset="0"/>
+              </a:rPr>
               <a:t>Instant access to economic data, showing you how far your spending money will go!</a:t>
             </a:r>
           </a:p>
           <a:p>
             <a:pPr lvl="1"/>
             <a:r>
-              <a:rPr lang="en-US" dirty="0" smtClean="0"/>
+              <a:rPr lang="en-US" dirty="0" smtClean="0">
+                <a:latin typeface="Comic Sans MS" panose="030F0702030302020204" pitchFamily="66" charset="0"/>
+              </a:rPr>
               <a:t>Currency value, compared to recent years to show if it’s a good time to travel to a certain area</a:t>
             </a:r>
           </a:p>
           <a:p>
             <a:pPr lvl="1"/>
             <a:r>
-              <a:rPr lang="en-US" dirty="0" smtClean="0"/>
+              <a:rPr lang="en-US" dirty="0" smtClean="0">
+                <a:latin typeface="Comic Sans MS" panose="030F0702030302020204" pitchFamily="66" charset="0"/>
+              </a:rPr>
               <a:t>Purchasing power</a:t>
             </a:r>
           </a:p>
           <a:p>
             <a:pPr lvl="1"/>
             <a:r>
-              <a:rPr lang="en-US" dirty="0" smtClean="0"/>
+              <a:rPr lang="en-US" dirty="0" smtClean="0">
+                <a:latin typeface="Comic Sans MS" panose="030F0702030302020204" pitchFamily="66" charset="0"/>
+              </a:rPr>
               <a:t>Recommendations based on what region you want to travel to</a:t>
             </a:r>
           </a:p>
           <a:p>
             <a:r>
-              <a:rPr lang="en-US" dirty="0" smtClean="0"/>
+              <a:rPr lang="en-US" dirty="0" smtClean="0">
+                <a:latin typeface="Comic Sans MS" panose="030F0702030302020204" pitchFamily="66" charset="0"/>
+              </a:rPr>
               <a:t>Convenient Priceline ™ deals</a:t>
             </a:r>
           </a:p>
           <a:p>
             <a:pPr lvl="1"/>
             <a:r>
-              <a:rPr lang="en-US" dirty="0" smtClean="0"/>
+              <a:rPr lang="en-US" dirty="0" smtClean="0">
+                <a:latin typeface="Comic Sans MS" panose="030F0702030302020204" pitchFamily="66" charset="0"/>
+              </a:rPr>
               <a:t>Discounted hotel stays</a:t>
             </a:r>
           </a:p>
           <a:p>
             <a:pPr lvl="1"/>
             <a:r>
-              <a:rPr lang="en-US" dirty="0" smtClean="0"/>
+              <a:rPr lang="en-US" dirty="0" smtClean="0">
+                <a:latin typeface="Comic Sans MS" panose="030F0702030302020204" pitchFamily="66" charset="0"/>
+              </a:rPr>
               <a:t>Cheap flights</a:t>
             </a:r>
           </a:p>
           <a:p>
             <a:pPr lvl="1"/>
             <a:r>
-              <a:rPr lang="en-US" dirty="0" smtClean="0"/>
+              <a:rPr lang="en-US" dirty="0" smtClean="0">
+                <a:latin typeface="Comic Sans MS" panose="030F0702030302020204" pitchFamily="66" charset="0"/>
+              </a:rPr>
               <a:t>Stress-free booking</a:t>
             </a:r>
           </a:p>
           <a:p>
             <a:pPr lvl="1"/>
             <a:r>
-              <a:rPr lang="en-US" dirty="0" smtClean="0"/>
+              <a:rPr lang="en-US" dirty="0" smtClean="0">
+                <a:latin typeface="Comic Sans MS" panose="030F0702030302020204" pitchFamily="66" charset="0"/>
+              </a:rPr>
               <a:t>Budgeting features</a:t>
             </a:r>
           </a:p>
           <a:p>
             <a:pPr lvl="1"/>
             <a:r>
-              <a:rPr lang="en-US" dirty="0" smtClean="0"/>
-              <a:t>Comparisons with regional averages (5 star visualization for this?)</a:t>
-            </a:r>
-            <a:endParaRPr lang="en-US" dirty="0"/>
+              <a:rPr lang="en-US" dirty="0" smtClean="0">
+                <a:latin typeface="Comic Sans MS" panose="030F0702030302020204" pitchFamily="66" charset="0"/>
+              </a:rPr>
+              <a:t>Comparisons with regional </a:t>
+            </a:r>
+            <a:r>
+              <a:rPr lang="en-US" dirty="0" smtClean="0">
+                <a:latin typeface="Comic Sans MS" panose="030F0702030302020204" pitchFamily="66" charset="0"/>
+              </a:rPr>
+              <a:t>averages</a:t>
+            </a:r>
+            <a:endParaRPr lang="en-US" dirty="0">
+              <a:latin typeface="Comic Sans MS" panose="030F0702030302020204" pitchFamily="66" charset="0"/>
+            </a:endParaRPr>
           </a:p>
         </p:txBody>
       </p:sp>
@@ -3723,10 +3759,14 @@
           <a:lstStyle/>
           <a:p>
             <a:r>
-              <a:rPr lang="en-US" dirty="0" smtClean="0"/>
+              <a:rPr lang="en-US" dirty="0" smtClean="0">
+                <a:latin typeface="Comic Sans MS" panose="030F0702030302020204" pitchFamily="66" charset="0"/>
+              </a:rPr>
               <a:t>Future goals</a:t>
             </a:r>
-            <a:endParaRPr lang="fr-CH" dirty="0"/>
+            <a:endParaRPr lang="fr-CH" dirty="0">
+              <a:latin typeface="Comic Sans MS" panose="030F0702030302020204" pitchFamily="66" charset="0"/>
+            </a:endParaRPr>
           </a:p>
         </p:txBody>
       </p:sp>
@@ -3742,65 +3782,94 @@
         </p:nvSpPr>
         <p:spPr/>
         <p:txBody>
-          <a:bodyPr/>
-          <a:lstStyle/>
-          <a:p>
-            <a:r>
-              <a:rPr lang="en-US" dirty="0" smtClean="0"/>
+          <a:bodyPr>
+            <a:normAutofit lnSpcReduction="10000"/>
+          </a:bodyPr>
+          <a:lstStyle/>
+          <a:p>
+            <a:r>
+              <a:rPr lang="en-US" dirty="0" smtClean="0">
+                <a:latin typeface="Comic Sans MS" panose="030F0702030302020204" pitchFamily="66" charset="0"/>
+              </a:rPr>
               <a:t>Weighing your budget to provide a more personalized user experience</a:t>
             </a:r>
           </a:p>
           <a:p>
             <a:pPr lvl="1"/>
             <a:r>
-              <a:rPr lang="en-US" dirty="0" smtClean="0"/>
+              <a:rPr lang="en-US" dirty="0" smtClean="0">
+                <a:latin typeface="Comic Sans MS" panose="030F0702030302020204" pitchFamily="66" charset="0"/>
+              </a:rPr>
               <a:t>Emphasizes best use of spending money</a:t>
             </a:r>
           </a:p>
           <a:p>
             <a:pPr lvl="1"/>
             <a:r>
-              <a:rPr lang="en-US" dirty="0" smtClean="0"/>
+              <a:rPr lang="en-US" dirty="0" smtClean="0">
+                <a:latin typeface="Comic Sans MS" panose="030F0702030302020204" pitchFamily="66" charset="0"/>
+              </a:rPr>
               <a:t>Weighs in how large a percentage of your budget the flight will take up</a:t>
             </a:r>
           </a:p>
           <a:p>
             <a:r>
-              <a:rPr lang="en-US" dirty="0" smtClean="0"/>
+              <a:rPr lang="en-US" dirty="0" smtClean="0">
+                <a:latin typeface="Comic Sans MS" panose="030F0702030302020204" pitchFamily="66" charset="0"/>
+              </a:rPr>
               <a:t>Data visualization of value</a:t>
             </a:r>
           </a:p>
           <a:p>
             <a:r>
-              <a:rPr lang="en-US" dirty="0" smtClean="0"/>
-              <a:t>Blacklist to avoid showing DPRK, </a:t>
-            </a:r>
-            <a:r>
-              <a:rPr lang="en-US" dirty="0" err="1" smtClean="0"/>
+              <a:rPr lang="en-US" dirty="0" smtClean="0">
+                <a:latin typeface="Comic Sans MS" panose="030F0702030302020204" pitchFamily="66" charset="0"/>
+              </a:rPr>
+              <a:t>Blacklist to avoid showing </a:t>
+            </a:r>
+            <a:r>
+              <a:rPr lang="en-US" dirty="0" smtClean="0">
+                <a:latin typeface="Comic Sans MS" panose="030F0702030302020204" pitchFamily="66" charset="0"/>
+              </a:rPr>
+              <a:t>DPRK</a:t>
+            </a:r>
+          </a:p>
+          <a:p>
+            <a:r>
+              <a:rPr lang="en-US" dirty="0" smtClean="0">
+                <a:latin typeface="Comic Sans MS" panose="030F0702030302020204" pitchFamily="66" charset="0"/>
+              </a:rPr>
+              <a:t>Free </a:t>
+            </a:r>
+            <a:r>
+              <a:rPr lang="en-US" dirty="0" smtClean="0">
+                <a:latin typeface="Comic Sans MS" panose="030F0702030302020204" pitchFamily="66" charset="0"/>
+              </a:rPr>
+              <a:t>Cookies!</a:t>
+            </a:r>
+          </a:p>
+          <a:p>
+            <a:r>
+              <a:rPr lang="en-US" dirty="0" smtClean="0">
+                <a:latin typeface="Comic Sans MS" panose="030F0702030302020204" pitchFamily="66" charset="0"/>
+              </a:rPr>
+              <a:t>Places they’ve been, account, recommendations based on trends/</a:t>
+            </a:r>
+            <a:r>
+              <a:rPr lang="en-US" dirty="0" err="1" smtClean="0">
+                <a:latin typeface="Comic Sans MS" panose="030F0702030302020204" pitchFamily="66" charset="0"/>
+              </a:rPr>
               <a:t>etc</a:t>
             </a:r>
-            <a:endParaRPr lang="en-US" dirty="0" smtClean="0"/>
-          </a:p>
-          <a:p>
-            <a:r>
-              <a:rPr lang="en-US" dirty="0" smtClean="0"/>
-              <a:t>Free Cookies!</a:t>
-            </a:r>
-          </a:p>
-          <a:p>
-            <a:r>
-              <a:rPr lang="en-US" dirty="0" smtClean="0"/>
-              <a:t>Places they’ve been, account, recommendations based on trends/</a:t>
-            </a:r>
-            <a:r>
-              <a:rPr lang="en-US" smtClean="0"/>
-              <a:t>etc</a:t>
-            </a:r>
-            <a:endParaRPr lang="en-US" dirty="0" smtClean="0"/>
+            <a:endParaRPr lang="en-US" dirty="0" smtClean="0">
+              <a:latin typeface="Comic Sans MS" panose="030F0702030302020204" pitchFamily="66" charset="0"/>
+            </a:endParaRPr>
           </a:p>
           <a:p>
             <a:pPr lvl="1"/>
-            <a:endParaRPr lang="en-US" dirty="0"/>
+            <a:endParaRPr lang="en-US" dirty="0">
+              <a:latin typeface="Comic Sans MS" panose="030F0702030302020204" pitchFamily="66" charset="0"/>
+            </a:endParaRPr>
           </a:p>
         </p:txBody>
       </p:sp>

--- a/Presentation1.pptx
+++ b/Presentation1.pptx
@@ -5,10 +5,13 @@
     <p:sldMasterId id="2147483648" r:id="rId1"/>
   </p:sldMasterIdLst>
   <p:sldIdLst>
-    <p:sldId id="256" r:id="rId2"/>
-    <p:sldId id="257" r:id="rId3"/>
-    <p:sldId id="258" r:id="rId4"/>
-    <p:sldId id="259" r:id="rId5"/>
+    <p:sldId id="260" r:id="rId2"/>
+    <p:sldId id="261" r:id="rId3"/>
+    <p:sldId id="262" r:id="rId4"/>
+    <p:sldId id="256" r:id="rId5"/>
+    <p:sldId id="257" r:id="rId6"/>
+    <p:sldId id="258" r:id="rId7"/>
+    <p:sldId id="259" r:id="rId8"/>
   </p:sldIdLst>
   <p:sldSz cx="12192000" cy="6858000"/>
   <p:notesSz cx="6858000" cy="9144000"/>
@@ -2972,6 +2975,276 @@
           <a:chExt cx="0" cy="0"/>
         </a:xfrm>
       </p:grpSpPr>
+      <p:sp>
+        <p:nvSpPr>
+          <p:cNvPr id="2" name="Title 1"/>
+          <p:cNvSpPr>
+            <a:spLocks noGrp="1"/>
+          </p:cNvSpPr>
+          <p:nvPr>
+            <p:ph type="title"/>
+          </p:nvPr>
+        </p:nvSpPr>
+        <p:spPr/>
+        <p:txBody>
+          <a:bodyPr/>
+          <a:lstStyle/>
+          <a:p>
+            <a:endParaRPr lang="fr-CH"/>
+          </a:p>
+        </p:txBody>
+      </p:sp>
+      <p:pic>
+        <p:nvPicPr>
+          <p:cNvPr id="4" name="Content Placeholder 3"/>
+          <p:cNvPicPr>
+            <a:picLocks noGrp="1" noChangeAspect="1"/>
+          </p:cNvPicPr>
+          <p:nvPr>
+            <p:ph idx="1"/>
+          </p:nvPr>
+        </p:nvPicPr>
+        <p:blipFill>
+          <a:blip r:embed="rId2" cstate="print">
+            <a:extLst>
+              <a:ext uri="{28A0092B-C50C-407E-A947-70E740481C1C}">
+                <a14:useLocalDpi xmlns:a14="http://schemas.microsoft.com/office/drawing/2010/main" val="0"/>
+              </a:ext>
+            </a:extLst>
+          </a:blip>
+          <a:stretch>
+            <a:fillRect/>
+          </a:stretch>
+        </p:blipFill>
+        <p:spPr>
+          <a:xfrm>
+            <a:off x="0" y="0"/>
+            <a:ext cx="12192000" cy="6858000"/>
+          </a:xfrm>
+          <a:ln>
+            <a:solidFill>
+              <a:schemeClr val="bg1"/>
+            </a:solidFill>
+          </a:ln>
+          <a:effectLst>
+            <a:softEdge rad="635000"/>
+          </a:effectLst>
+        </p:spPr>
+      </p:pic>
+    </p:spTree>
+    <p:extLst>
+      <p:ext uri="{BB962C8B-B14F-4D97-AF65-F5344CB8AC3E}">
+        <p14:creationId xmlns:p14="http://schemas.microsoft.com/office/powerpoint/2010/main" val="2177586395"/>
+      </p:ext>
+    </p:extLst>
+  </p:cSld>
+  <p:clrMapOvr>
+    <a:masterClrMapping/>
+  </p:clrMapOvr>
+</p:sld>
+</file>
+
+<file path=ppt/slides/slide2.xml><?xml version="1.0" encoding="utf-8"?>
+<p:sld xmlns:a="http://schemas.openxmlformats.org/drawingml/2006/main" xmlns:r="http://schemas.openxmlformats.org/officeDocument/2006/relationships" xmlns:p="http://schemas.openxmlformats.org/presentationml/2006/main">
+  <p:cSld>
+    <p:spTree>
+      <p:nvGrpSpPr>
+        <p:cNvPr id="1" name=""/>
+        <p:cNvGrpSpPr/>
+        <p:nvPr/>
+      </p:nvGrpSpPr>
+      <p:grpSpPr>
+        <a:xfrm>
+          <a:off x="0" y="0"/>
+          <a:ext cx="0" cy="0"/>
+          <a:chOff x="0" y="0"/>
+          <a:chExt cx="0" cy="0"/>
+        </a:xfrm>
+      </p:grpSpPr>
+      <p:sp>
+        <p:nvSpPr>
+          <p:cNvPr id="2" name="Title 1"/>
+          <p:cNvSpPr>
+            <a:spLocks noGrp="1"/>
+          </p:cNvSpPr>
+          <p:nvPr>
+            <p:ph type="ctrTitle"/>
+          </p:nvPr>
+        </p:nvSpPr>
+        <p:spPr/>
+        <p:txBody>
+          <a:bodyPr/>
+          <a:lstStyle/>
+          <a:p>
+            <a:endParaRPr lang="fr-CH"/>
+          </a:p>
+        </p:txBody>
+      </p:sp>
+      <p:sp>
+        <p:nvSpPr>
+          <p:cNvPr id="3" name="Subtitle 2"/>
+          <p:cNvSpPr>
+            <a:spLocks noGrp="1"/>
+          </p:cNvSpPr>
+          <p:nvPr>
+            <p:ph type="subTitle" idx="1"/>
+          </p:nvPr>
+        </p:nvSpPr>
+        <p:spPr/>
+        <p:txBody>
+          <a:bodyPr/>
+          <a:lstStyle/>
+          <a:p>
+            <a:endParaRPr lang="fr-CH"/>
+          </a:p>
+        </p:txBody>
+      </p:sp>
+      <p:pic>
+        <p:nvPicPr>
+          <p:cNvPr id="5" name="Picture 4"/>
+          <p:cNvPicPr>
+            <a:picLocks noChangeAspect="1"/>
+          </p:cNvPicPr>
+          <p:nvPr/>
+        </p:nvPicPr>
+        <p:blipFill>
+          <a:blip r:embed="rId2">
+            <a:extLst>
+              <a:ext uri="{28A0092B-C50C-407E-A947-70E740481C1C}">
+                <a14:useLocalDpi xmlns:a14="http://schemas.microsoft.com/office/drawing/2010/main" val="0"/>
+              </a:ext>
+            </a:extLst>
+          </a:blip>
+          <a:stretch>
+            <a:fillRect/>
+          </a:stretch>
+        </p:blipFill>
+        <p:spPr>
+          <a:xfrm>
+            <a:off x="0" y="0"/>
+            <a:ext cx="12192000" cy="6858000"/>
+          </a:xfrm>
+          <a:prstGeom prst="rect">
+            <a:avLst/>
+          </a:prstGeom>
+          <a:effectLst>
+            <a:glow rad="165100">
+              <a:schemeClr val="accent2">
+                <a:lumMod val="40000"/>
+                <a:lumOff val="60000"/>
+                <a:alpha val="40000"/>
+              </a:schemeClr>
+            </a:glow>
+            <a:softEdge rad="457200"/>
+          </a:effectLst>
+        </p:spPr>
+      </p:pic>
+    </p:spTree>
+    <p:extLst>
+      <p:ext uri="{BB962C8B-B14F-4D97-AF65-F5344CB8AC3E}">
+        <p14:creationId xmlns:p14="http://schemas.microsoft.com/office/powerpoint/2010/main" val="101652283"/>
+      </p:ext>
+    </p:extLst>
+  </p:cSld>
+  <p:clrMapOvr>
+    <a:masterClrMapping/>
+  </p:clrMapOvr>
+</p:sld>
+</file>
+
+<file path=ppt/slides/slide3.xml><?xml version="1.0" encoding="utf-8"?>
+<p:sld xmlns:a="http://schemas.openxmlformats.org/drawingml/2006/main" xmlns:r="http://schemas.openxmlformats.org/officeDocument/2006/relationships" xmlns:p="http://schemas.openxmlformats.org/presentationml/2006/main">
+  <p:cSld>
+    <p:spTree>
+      <p:nvGrpSpPr>
+        <p:cNvPr id="1" name=""/>
+        <p:cNvGrpSpPr/>
+        <p:nvPr/>
+      </p:nvGrpSpPr>
+      <p:grpSpPr>
+        <a:xfrm>
+          <a:off x="0" y="0"/>
+          <a:ext cx="0" cy="0"/>
+          <a:chOff x="0" y="0"/>
+          <a:chExt cx="0" cy="0"/>
+        </a:xfrm>
+      </p:grpSpPr>
+      <p:sp>
+        <p:nvSpPr>
+          <p:cNvPr id="2" name="Title 1"/>
+          <p:cNvSpPr>
+            <a:spLocks noGrp="1"/>
+          </p:cNvSpPr>
+          <p:nvPr>
+            <p:ph type="ctrTitle"/>
+          </p:nvPr>
+        </p:nvSpPr>
+        <p:spPr/>
+        <p:txBody>
+          <a:bodyPr/>
+          <a:lstStyle/>
+          <a:p>
+            <a:r>
+              <a:rPr lang="en-US" dirty="0" err="1" smtClean="0"/>
+              <a:t>Wakawhitti</a:t>
+            </a:r>
+            <a:endParaRPr lang="fr-CH" dirty="0"/>
+          </a:p>
+        </p:txBody>
+      </p:sp>
+      <p:sp>
+        <p:nvSpPr>
+          <p:cNvPr id="3" name="Subtitle 2"/>
+          <p:cNvSpPr>
+            <a:spLocks noGrp="1"/>
+          </p:cNvSpPr>
+          <p:nvPr>
+            <p:ph type="subTitle" idx="1"/>
+          </p:nvPr>
+        </p:nvSpPr>
+        <p:spPr/>
+        <p:txBody>
+          <a:bodyPr/>
+          <a:lstStyle/>
+          <a:p>
+            <a:r>
+              <a:rPr lang="en-US" dirty="0" smtClean="0"/>
+              <a:t>Motto?</a:t>
+            </a:r>
+            <a:endParaRPr lang="fr-CH" dirty="0"/>
+          </a:p>
+        </p:txBody>
+      </p:sp>
+    </p:spTree>
+    <p:extLst>
+      <p:ext uri="{BB962C8B-B14F-4D97-AF65-F5344CB8AC3E}">
+        <p14:creationId xmlns:p14="http://schemas.microsoft.com/office/powerpoint/2010/main" val="682794703"/>
+      </p:ext>
+    </p:extLst>
+  </p:cSld>
+  <p:clrMapOvr>
+    <a:masterClrMapping/>
+  </p:clrMapOvr>
+</p:sld>
+</file>
+
+<file path=ppt/slides/slide4.xml><?xml version="1.0" encoding="utf-8"?>
+<p:sld xmlns:a="http://schemas.openxmlformats.org/drawingml/2006/main" xmlns:r="http://schemas.openxmlformats.org/officeDocument/2006/relationships" xmlns:p="http://schemas.openxmlformats.org/presentationml/2006/main">
+  <p:cSld>
+    <p:spTree>
+      <p:nvGrpSpPr>
+        <p:cNvPr id="1" name=""/>
+        <p:cNvGrpSpPr/>
+        <p:nvPr/>
+      </p:nvGrpSpPr>
+      <p:grpSpPr>
+        <a:xfrm>
+          <a:off x="0" y="0"/>
+          <a:ext cx="0" cy="0"/>
+          <a:chOff x="0" y="0"/>
+          <a:chExt cx="0" cy="0"/>
+        </a:xfrm>
+      </p:grpSpPr>
       <p:cxnSp>
         <p:nvCxnSpPr>
           <p:cNvPr id="5" name="Straight Arrow Connector 4"/>
@@ -3453,7 +3726,7 @@
 </p:sld>
 </file>
 
-<file path=ppt/slides/slide2.xml><?xml version="1.0" encoding="utf-8"?>
+<file path=ppt/slides/slide5.xml><?xml version="1.0" encoding="utf-8"?>
 <p:sld xmlns:a="http://schemas.openxmlformats.org/drawingml/2006/main" xmlns:r="http://schemas.openxmlformats.org/officeDocument/2006/relationships" xmlns:p="http://schemas.openxmlformats.org/presentationml/2006/main">
   <p:cSld>
     <p:spTree>
@@ -3554,7 +3827,7 @@
 </p:sld>
 </file>
 
-<file path=ppt/slides/slide3.xml><?xml version="1.0" encoding="utf-8"?>
+<file path=ppt/slides/slide6.xml><?xml version="1.0" encoding="utf-8"?>
 <p:sld xmlns:a="http://schemas.openxmlformats.org/drawingml/2006/main" xmlns:r="http://schemas.openxmlformats.org/officeDocument/2006/relationships" xmlns:p="http://schemas.openxmlformats.org/presentationml/2006/main">
   <p:cSld>
     <p:spTree>
@@ -3611,7 +3884,7 @@
         <p:spPr/>
         <p:txBody>
           <a:bodyPr>
-            <a:normAutofit fontScale="92500" lnSpcReduction="10000"/>
+            <a:normAutofit fontScale="92500"/>
           </a:bodyPr>
           <a:lstStyle/>
           <a:p>
@@ -3619,8 +3892,11 @@
               <a:rPr lang="en-US" dirty="0" smtClean="0">
                 <a:latin typeface="Comic Sans MS" panose="030F0702030302020204" pitchFamily="66" charset="0"/>
               </a:rPr>
-              <a:t>Instant access to economic data, showing you how far your spending money will go!</a:t>
-            </a:r>
+              <a:t>Make your money go further, with science and math and stuff!</a:t>
+            </a:r>
+            <a:endParaRPr lang="en-US" dirty="0" smtClean="0">
+              <a:latin typeface="Comic Sans MS" panose="030F0702030302020204" pitchFamily="66" charset="0"/>
+            </a:endParaRPr>
           </a:p>
           <a:p>
             <a:pPr lvl="1"/>
@@ -3646,15 +3922,24 @@
               <a:rPr lang="en-US" dirty="0" smtClean="0">
                 <a:latin typeface="Comic Sans MS" panose="030F0702030302020204" pitchFamily="66" charset="0"/>
               </a:rPr>
-              <a:t>Recommendations based on what region you want to travel to</a:t>
-            </a:r>
+              <a:t>Figure out where you want to go based using our system</a:t>
+            </a:r>
+            <a:endParaRPr lang="en-US" dirty="0" smtClean="0">
+              <a:latin typeface="Comic Sans MS" panose="030F0702030302020204" pitchFamily="66" charset="0"/>
+            </a:endParaRPr>
           </a:p>
           <a:p>
             <a:r>
               <a:rPr lang="en-US" dirty="0" smtClean="0">
                 <a:latin typeface="Comic Sans MS" panose="030F0702030302020204" pitchFamily="66" charset="0"/>
               </a:rPr>
-              <a:t>Convenient Priceline ™ deals</a:t>
+              <a:t>Convenient </a:t>
+            </a:r>
+            <a:r>
+              <a:rPr lang="en-US" dirty="0" smtClean="0">
+                <a:latin typeface="Comic Sans MS" panose="030F0702030302020204" pitchFamily="66" charset="0"/>
+              </a:rPr>
+              <a:t>Priceline ™ deals</a:t>
             </a:r>
           </a:p>
           <a:p>
@@ -3699,13 +3984,7 @@
               <a:rPr lang="en-US" dirty="0" smtClean="0">
                 <a:latin typeface="Comic Sans MS" panose="030F0702030302020204" pitchFamily="66" charset="0"/>
               </a:rPr>
-              <a:t>Comparisons with regional </a:t>
-            </a:r>
-            <a:r>
-              <a:rPr lang="en-US" dirty="0" smtClean="0">
-                <a:latin typeface="Comic Sans MS" panose="030F0702030302020204" pitchFamily="66" charset="0"/>
-              </a:rPr>
-              <a:t>averages</a:t>
+              <a:t>Comparisons with regional averages</a:t>
             </a:r>
             <a:endParaRPr lang="en-US" dirty="0">
               <a:latin typeface="Comic Sans MS" panose="030F0702030302020204" pitchFamily="66" charset="0"/>
@@ -3726,7 +4005,7 @@
 </p:sld>
 </file>
 
-<file path=ppt/slides/slide4.xml><?xml version="1.0" encoding="utf-8"?>
+<file path=ppt/slides/slide7.xml><?xml version="1.0" encoding="utf-8"?>
 <p:sld xmlns:a="http://schemas.openxmlformats.org/drawingml/2006/main" xmlns:r="http://schemas.openxmlformats.org/officeDocument/2006/relationships" xmlns:p="http://schemas.openxmlformats.org/presentationml/2006/main">
   <p:cSld>
     <p:spTree>
@@ -3825,27 +4104,15 @@
               <a:rPr lang="en-US" dirty="0" smtClean="0">
                 <a:latin typeface="Comic Sans MS" panose="030F0702030302020204" pitchFamily="66" charset="0"/>
               </a:rPr>
-              <a:t>Blacklist to avoid showing </a:t>
-            </a:r>
+              <a:t>Blacklist to avoid showing DPRK</a:t>
+            </a:r>
+          </a:p>
+          <a:p>
             <a:r>
               <a:rPr lang="en-US" dirty="0" smtClean="0">
                 <a:latin typeface="Comic Sans MS" panose="030F0702030302020204" pitchFamily="66" charset="0"/>
               </a:rPr>
-              <a:t>DPRK</a:t>
-            </a:r>
-          </a:p>
-          <a:p>
-            <a:r>
-              <a:rPr lang="en-US" dirty="0" smtClean="0">
-                <a:latin typeface="Comic Sans MS" panose="030F0702030302020204" pitchFamily="66" charset="0"/>
-              </a:rPr>
-              <a:t>Free </a:t>
-            </a:r>
-            <a:r>
-              <a:rPr lang="en-US" dirty="0" smtClean="0">
-                <a:latin typeface="Comic Sans MS" panose="030F0702030302020204" pitchFamily="66" charset="0"/>
-              </a:rPr>
-              <a:t>Cookies!</a:t>
+              <a:t>Free Cookies!</a:t>
             </a:r>
           </a:p>
           <a:p>
